--- a/docs/Analisador Lexico/Mucofoti_Apresentacao.pptx
+++ b/docs/Analisador Lexico/Mucofoti_Apresentacao.pptx
@@ -29,21 +29,21 @@
   <p:notesSz cx="6858000" cy="9144000"/>
   <p:embeddedFontLst>
     <p:embeddedFont>
-      <p:font typeface="맑은 고딕" panose="020B0503020000020004" pitchFamily="34" charset="-127"/>
+      <p:font typeface="Calibri" panose="020F0502020204030204" pitchFamily="34" charset="0"/>
       <p:regular r:id="rId17"/>
       <p:bold r:id="rId18"/>
-    </p:embeddedFont>
-    <p:embeddedFont>
-      <p:font typeface="Calibri" panose="020F0502020204030204" pitchFamily="34" charset="0"/>
-      <p:regular r:id="rId19"/>
-      <p:bold r:id="rId20"/>
-      <p:italic r:id="rId21"/>
-      <p:boldItalic r:id="rId22"/>
+      <p:italic r:id="rId19"/>
+      <p:boldItalic r:id="rId20"/>
     </p:embeddedFont>
     <p:embeddedFont>
       <p:font typeface="Calibri Light" panose="020F0302020204030204" pitchFamily="34" charset="0"/>
+      <p:regular r:id="rId21"/>
+      <p:italic r:id="rId22"/>
+    </p:embeddedFont>
+    <p:embeddedFont>
+      <p:font typeface="맑은 고딕" panose="020B0503020000020004" pitchFamily="34" charset="-127"/>
       <p:regular r:id="rId23"/>
-      <p:italic r:id="rId24"/>
+      <p:bold r:id="rId24"/>
     </p:embeddedFont>
   </p:embeddedFontLst>
   <p:defaultTextStyle>
@@ -143,7 +143,7 @@
   </p:defaultTextStyle>
   <p:extLst>
     <p:ext uri="{EFAFB233-063F-42B5-8137-9DF3F51BA10A}">
-      <p15:sldGuideLst xmlns:p15="http://schemas.microsoft.com/office/powerpoint/2012/main" xmlns="">
+      <p15:sldGuideLst xmlns="" xmlns:p15="http://schemas.microsoft.com/office/powerpoint/2012/main">
         <p15:guide id="1" orient="horz" pos="2160">
           <p15:clr>
             <a:srgbClr val="A4A3A4"/>
@@ -157,7 +157,7 @@
       </p15:sldGuideLst>
     </p:ext>
     <p:ext uri="{2D200454-40CA-4A62-9FC3-DE9A4176ACB9}">
-      <p15:notesGuideLst xmlns:p15="http://schemas.microsoft.com/office/powerpoint/2012/main" xmlns="">
+      <p15:notesGuideLst xmlns="" xmlns:p15="http://schemas.microsoft.com/office/powerpoint/2012/main">
         <p15:guide id="1" orient="horz" pos="2880">
           <p15:clr>
             <a:srgbClr val="A4A3A4"/>
@@ -257,7 +257,7 @@
             <a:fld id="{D4CCFBE2-2B8D-499C-81C9-2CD5B3EB8E93}" type="datetimeFigureOut">
               <a:rPr lang="ko-KR" altLang="en-US" smtClean="0"/>
               <a:pPr/>
-              <a:t>2020-10-07</a:t>
+              <a:t>2020-09-08</a:t>
             </a:fld>
             <a:endParaRPr lang="ko-KR" altLang="en-US"/>
           </a:p>
@@ -424,7 +424,7 @@
             <a:fld id="{FB545AC5-813F-4ED1-B011-8EA17CB93331}" type="datetimeFigureOut">
               <a:rPr lang="ko-KR" altLang="en-US" smtClean="0"/>
               <a:pPr/>
-              <a:t>2020-10-07</a:t>
+              <a:t>2020-09-08</a:t>
             </a:fld>
             <a:endParaRPr lang="ko-KR" altLang="en-US"/>
           </a:p>
@@ -846,7 +846,7 @@
             <a:fld id="{ED3D6733-6F27-4404-AB51-585418F146E5}" type="datetimeFigureOut">
               <a:rPr lang="ko-KR" altLang="en-US" smtClean="0"/>
               <a:pPr/>
-              <a:t>2020-10-07</a:t>
+              <a:t>2020-09-08</a:t>
             </a:fld>
             <a:endParaRPr lang="ko-KR" altLang="en-US"/>
           </a:p>
@@ -1031,7 +1031,7 @@
             <a:fld id="{ED3D6733-6F27-4404-AB51-585418F146E5}" type="datetimeFigureOut">
               <a:rPr lang="ko-KR" altLang="en-US" smtClean="0"/>
               <a:pPr/>
-              <a:t>2020-10-07</a:t>
+              <a:t>2020-09-08</a:t>
             </a:fld>
             <a:endParaRPr lang="ko-KR" altLang="en-US"/>
           </a:p>
@@ -1161,7 +1161,7 @@
             <a:fld id="{ED3D6733-6F27-4404-AB51-585418F146E5}" type="datetimeFigureOut">
               <a:rPr lang="ko-KR" altLang="en-US" smtClean="0"/>
               <a:pPr/>
-              <a:t>2020-10-07</a:t>
+              <a:t>2020-09-08</a:t>
             </a:fld>
             <a:endParaRPr lang="ko-KR" altLang="en-US"/>
           </a:p>
@@ -1344,7 +1344,7 @@
             <a:fld id="{ED3D6733-6F27-4404-AB51-585418F146E5}" type="datetimeFigureOut">
               <a:rPr lang="ko-KR" altLang="en-US" smtClean="0"/>
               <a:pPr/>
-              <a:t>2020-10-07</a:t>
+              <a:t>2020-09-08</a:t>
             </a:fld>
             <a:endParaRPr lang="ko-KR" altLang="en-US"/>
           </a:p>
@@ -1621,7 +1621,7 @@
             <a:fld id="{ED3D6733-6F27-4404-AB51-585418F146E5}" type="datetimeFigureOut">
               <a:rPr lang="ko-KR" altLang="en-US" smtClean="0"/>
               <a:pPr/>
-              <a:t>2020-10-07</a:t>
+              <a:t>2020-09-08</a:t>
             </a:fld>
             <a:endParaRPr lang="ko-KR" altLang="en-US"/>
           </a:p>
@@ -1944,7 +1944,7 @@
             <a:fld id="{ED3D6733-6F27-4404-AB51-585418F146E5}" type="datetimeFigureOut">
               <a:rPr lang="ko-KR" altLang="en-US" smtClean="0"/>
               <a:pPr/>
-              <a:t>2020-10-07</a:t>
+              <a:t>2020-09-08</a:t>
             </a:fld>
             <a:endParaRPr lang="ko-KR" altLang="en-US"/>
           </a:p>
@@ -2217,7 +2217,7 @@
             <a:fld id="{ED3D6733-6F27-4404-AB51-585418F146E5}" type="datetimeFigureOut">
               <a:rPr lang="ko-KR" altLang="en-US" smtClean="0"/>
               <a:pPr/>
-              <a:t>2020-10-07</a:t>
+              <a:t>2020-09-08</a:t>
             </a:fld>
             <a:endParaRPr lang="ko-KR" altLang="en-US"/>
           </a:p>
@@ -9274,11 +9274,11 @@
           </a:p>
           <a:p>
             <a:r>
-              <a:rPr lang="en-US" sz="2400" dirty="0" err="1"/>
-              <a:t>Cossa</a:t>
-            </a:r>
-            <a:r>
-              <a:rPr lang="en-US" sz="2400" dirty="0"/>
+              <a:rPr lang="en-US" sz="2400" dirty="0" err="1" smtClean="0"/>
+              <a:t>Mulendja</a:t>
+            </a:r>
+            <a:r>
+              <a:rPr lang="en-US" sz="2400" dirty="0" smtClean="0"/>
               <a:t>, </a:t>
             </a:r>
             <a:r>
@@ -9480,12 +9480,13 @@
           <a:p>
             <a:r>
               <a:rPr lang="en-US" sz="2400" b="1" dirty="0" err="1" smtClean="0"/>
-              <a:t>Discentes</a:t>
+              <a:t>Docentes</a:t>
             </a:r>
             <a:r>
               <a:rPr lang="en-US" sz="2400" b="1" dirty="0" smtClean="0"/>
               <a:t>:</a:t>
             </a:r>
+            <a:endParaRPr lang="en-US" sz="2400" b="1" dirty="0" smtClean="0"/>
           </a:p>
           <a:p>
             <a:r>
@@ -11423,7 +11424,7 @@
               </a:buClr>
             </a:pPr>
             <a:r>
-              <a:rPr lang="en-US" altLang="ko-KR" sz="3000" b="1" dirty="0">
+              <a:rPr lang="en-US" altLang="ko-KR" sz="3000" b="1" dirty="0" smtClean="0">
                 <a:solidFill>
                   <a:schemeClr val="bg1"/>
                 </a:solidFill>
@@ -11431,7 +11432,7 @@
                 <a:ea typeface="맑은 고딕" pitchFamily="50" charset="-127"/>
                 <a:cs typeface="+mj-cs"/>
               </a:rPr>
-              <a:t>CONTENTS</a:t>
+              <a:t>Agenda</a:t>
             </a:r>
             <a:endParaRPr lang="ko-KR" altLang="en-US" sz="3000" b="1" dirty="0">
               <a:solidFill>
@@ -12398,11 +12399,35 @@
             </a:pPr>
             <a:r>
               <a:rPr lang="pt-PT" altLang="en-US" sz="2400" dirty="0"/>
-              <a:t>Tem como objectivo ser a primeira linguagem de programação a ser aprendida por nativos da língua portuguesa, fornecendo </a:t>
+              <a:t>Tem como objectivo ser a primeira linguagem de programação a ser aprendida por </a:t>
             </a:r>
             <a:r>
               <a:rPr lang="pt-PT" altLang="en-US" sz="2400" dirty="0" smtClean="0"/>
-              <a:t> princípios </a:t>
+              <a:t>pessoas fluentes</a:t>
+            </a:r>
+            <a:r>
+              <a:rPr lang="pt-PT" altLang="en-US" sz="2400" dirty="0" smtClean="0"/>
+              <a:t> </a:t>
+            </a:r>
+            <a:r>
+              <a:rPr lang="pt-PT" altLang="en-US" sz="2400" dirty="0"/>
+              <a:t>n</a:t>
+            </a:r>
+            <a:r>
+              <a:rPr lang="pt-PT" altLang="en-US" sz="2400" dirty="0" smtClean="0"/>
+              <a:t>a </a:t>
+            </a:r>
+            <a:r>
+              <a:rPr lang="pt-PT" altLang="en-US" sz="2400" dirty="0"/>
+              <a:t>língua portuguesa, </a:t>
+            </a:r>
+            <a:r>
+              <a:rPr lang="pt-PT" altLang="en-US" sz="2400" dirty="0" smtClean="0"/>
+              <a:t>       fornecendo  </a:t>
+            </a:r>
+            <a:r>
+              <a:rPr lang="pt-PT" altLang="en-US" sz="2400" dirty="0" smtClean="0"/>
+              <a:t>princípios </a:t>
             </a:r>
             <a:r>
               <a:rPr lang="pt-PT" altLang="en-US" sz="2400" dirty="0"/>
